--- a/PPT/Core/2Intermediate/1 FunctionalComponent/7  Hooks.pptx
+++ b/PPT/Core/2Intermediate/1 FunctionalComponent/7  Hooks.pptx
@@ -399,7 +399,7 @@
             <a:fld id="{93811583-5523-49F0-9266-DB29D2C38FAE}" type="datetimeFigureOut">
               <a:rPr lang="en-US" smtClean="0"/>
               <a:pPr/>
-              <a:t>6/7/2022</a:t>
+              <a:t>9/3/2022</a:t>
             </a:fld>
             <a:endParaRPr lang="en-US"/>
           </a:p>
@@ -600,7 +600,7 @@
             <a:fld id="{93811583-5523-49F0-9266-DB29D2C38FAE}" type="datetimeFigureOut">
               <a:rPr lang="en-US" smtClean="0"/>
               <a:pPr/>
-              <a:t>6/7/2022</a:t>
+              <a:t>9/3/2022</a:t>
             </a:fld>
             <a:endParaRPr lang="en-US"/>
           </a:p>
@@ -792,7 +792,7 @@
             <a:fld id="{93811583-5523-49F0-9266-DB29D2C38FAE}" type="datetimeFigureOut">
               <a:rPr lang="en-US" smtClean="0"/>
               <a:pPr/>
-              <a:t>6/7/2022</a:t>
+              <a:t>9/3/2022</a:t>
             </a:fld>
             <a:endParaRPr lang="en-US"/>
           </a:p>
@@ -986,7 +986,7 @@
             <a:fld id="{93811583-5523-49F0-9266-DB29D2C38FAE}" type="datetimeFigureOut">
               <a:rPr lang="en-US" smtClean="0"/>
               <a:pPr/>
-              <a:t>6/7/2022</a:t>
+              <a:t>9/3/2022</a:t>
             </a:fld>
             <a:endParaRPr lang="en-US"/>
           </a:p>
@@ -1214,7 +1214,7 @@
             <a:fld id="{93811583-5523-49F0-9266-DB29D2C38FAE}" type="datetimeFigureOut">
               <a:rPr lang="en-US" smtClean="0"/>
               <a:pPr/>
-              <a:t>6/7/2022</a:t>
+              <a:t>9/3/2022</a:t>
             </a:fld>
             <a:endParaRPr lang="en-US"/>
           </a:p>
@@ -1507,7 +1507,7 @@
             <a:fld id="{93811583-5523-49F0-9266-DB29D2C38FAE}" type="datetimeFigureOut">
               <a:rPr lang="en-US" smtClean="0"/>
               <a:pPr/>
-              <a:t>6/7/2022</a:t>
+              <a:t>9/3/2022</a:t>
             </a:fld>
             <a:endParaRPr lang="en-US"/>
           </a:p>
@@ -1940,7 +1940,7 @@
             <a:fld id="{93811583-5523-49F0-9266-DB29D2C38FAE}" type="datetimeFigureOut">
               <a:rPr lang="en-US" smtClean="0"/>
               <a:pPr/>
-              <a:t>6/7/2022</a:t>
+              <a:t>9/3/2022</a:t>
             </a:fld>
             <a:endParaRPr lang="en-US"/>
           </a:p>
@@ -2068,7 +2068,7 @@
             <a:fld id="{93811583-5523-49F0-9266-DB29D2C38FAE}" type="datetimeFigureOut">
               <a:rPr lang="en-US" smtClean="0"/>
               <a:pPr/>
-              <a:t>6/7/2022</a:t>
+              <a:t>9/3/2022</a:t>
             </a:fld>
             <a:endParaRPr lang="en-US"/>
           </a:p>
@@ -2173,7 +2173,7 @@
             <a:fld id="{93811583-5523-49F0-9266-DB29D2C38FAE}" type="datetimeFigureOut">
               <a:rPr lang="en-US" smtClean="0"/>
               <a:pPr/>
-              <a:t>6/7/2022</a:t>
+              <a:t>9/3/2022</a:t>
             </a:fld>
             <a:endParaRPr lang="en-US"/>
           </a:p>
@@ -2444,7 +2444,7 @@
             <a:fld id="{93811583-5523-49F0-9266-DB29D2C38FAE}" type="datetimeFigureOut">
               <a:rPr lang="en-US" smtClean="0"/>
               <a:pPr/>
-              <a:t>6/7/2022</a:t>
+              <a:t>9/3/2022</a:t>
             </a:fld>
             <a:endParaRPr lang="en-US"/>
           </a:p>
@@ -2810,7 +2810,7 @@
             <a:fld id="{93811583-5523-49F0-9266-DB29D2C38FAE}" type="datetimeFigureOut">
               <a:rPr lang="en-US" smtClean="0"/>
               <a:pPr/>
-              <a:t>6/7/2022</a:t>
+              <a:t>9/3/2022</a:t>
             </a:fld>
             <a:endParaRPr lang="en-US"/>
           </a:p>
@@ -3167,7 +3167,7 @@
             <a:fld id="{93811583-5523-49F0-9266-DB29D2C38FAE}" type="datetimeFigureOut">
               <a:rPr lang="en-US" smtClean="0"/>
               <a:pPr/>
-              <a:t>6/7/2022</a:t>
+              <a:t>9/3/2022</a:t>
             </a:fld>
             <a:endParaRPr lang="en-US"/>
           </a:p>
@@ -3964,15 +3964,32 @@
           </a:p>
         </p:txBody>
       </p:sp>
+      <p:sp>
+        <p:nvSpPr>
+          <p:cNvPr id="4" name="Content Placeholder 3"/>
+          <p:cNvSpPr>
+            <a:spLocks noGrp="1"/>
+          </p:cNvSpPr>
+          <p:nvPr>
+            <p:ph idx="1"/>
+          </p:nvPr>
+        </p:nvSpPr>
+        <p:spPr/>
+        <p:txBody>
+          <a:bodyPr/>
+          <a:lstStyle/>
+          <a:p>
+            <a:endParaRPr lang="en-US"/>
+          </a:p>
+        </p:txBody>
+      </p:sp>
       <p:pic>
         <p:nvPicPr>
-          <p:cNvPr id="9218" name="Picture 2"/>
+          <p:cNvPr id="1026" name="Picture 2"/>
           <p:cNvPicPr>
-            <a:picLocks noGrp="1" noChangeAspect="1" noChangeArrowheads="1"/>
+            <a:picLocks noChangeAspect="1" noChangeArrowheads="1"/>
           </p:cNvPicPr>
-          <p:nvPr>
-            <p:ph idx="1"/>
-          </p:nvPr>
+          <p:nvPr/>
         </p:nvPicPr>
         <p:blipFill>
           <a:blip r:embed="rId2"/>
@@ -3983,8 +4000,8 @@
         </p:blipFill>
         <p:spPr bwMode="auto">
           <a:xfrm>
-            <a:off x="709612" y="1618456"/>
-            <a:ext cx="6734175" cy="4829175"/>
+            <a:off x="500034" y="1357298"/>
+            <a:ext cx="7524750" cy="5010150"/>
           </a:xfrm>
           <a:prstGeom prst="rect">
             <a:avLst/>
